--- a/gists/week2/Presentation.pptx
+++ b/gists/week2/Presentation.pptx
@@ -4103,7 +4103,6 @@
               <a:rPr lang="en-US" dirty="0" smtClean="0"/>
               <a:t>Their 5 different ways to do it (we will explore that)</a:t>
             </a:r>
-            <a:endParaRPr lang="en-US" dirty="0" smtClean="0"/>
           </a:p>
         </p:txBody>
       </p:sp>
@@ -4201,7 +4200,6 @@
               <a:rPr lang="en-US" dirty="0"/>
               <a:t> directly to object</a:t>
             </a:r>
-            <a:endParaRPr lang="en-US" dirty="0"/>
           </a:p>
         </p:txBody>
       </p:sp>
@@ -4283,7 +4281,7 @@
         </p:spPr>
         <p:txBody>
           <a:bodyPr>
-            <a:normAutofit fontScale="90000"/>
+            <a:normAutofit/>
           </a:bodyPr>
           <a:lstStyle/>
           <a:p>
@@ -4301,7 +4299,11 @@
             </a:r>
             <a:r>
               <a:rPr lang="en-US" dirty="0" smtClean="0"/>
-              <a:t>object global object</a:t>
+              <a:t>global </a:t>
+            </a:r>
+            <a:r>
+              <a:rPr lang="en-US" dirty="0" smtClean="0"/>
+              <a:t>object</a:t>
             </a:r>
             <a:endParaRPr lang="en-US" dirty="0"/>
           </a:p>
